--- a/PPT/190316/LWW_labmeeting_19mar16.pptx
+++ b/PPT/190316/LWW_labmeeting_19mar16.pptx
@@ -216,7 +216,7 @@
           <a:p>
             <a:fld id="{6D1C35C9-D0B2-43EF-8A1C-FEB445BDDE72}" type="datetimeFigureOut">
               <a:rPr lang="ko-KR" altLang="en-US" smtClean="0"/>
-              <a:t>2019-03-15</a:t>
+              <a:t>2019-03-16</a:t>
             </a:fld>
             <a:endParaRPr lang="ko-KR" altLang="en-US"/>
           </a:p>
@@ -5305,7 +5305,7 @@
           <p:nvPr>
             <p:extLst>
               <p:ext uri="{D42A27DB-BD31-4B8C-83A1-F6EECF244321}">
-                <p14:modId xmlns:p14="http://schemas.microsoft.com/office/powerpoint/2010/main" val="2092148782"/>
+                <p14:modId xmlns:p14="http://schemas.microsoft.com/office/powerpoint/2010/main" val="2986522820"/>
               </p:ext>
             </p:extLst>
           </p:nvPr>
@@ -5505,7 +5505,301 @@
                           <a:latin typeface="+mj-lt"/>
                           <a:ea typeface="Arial"/>
                         </a:rPr>
-                        <a:t>Audio Classification</a:t>
+                        <a:t>Server</a:t>
+                      </a:r>
+                      <a:r>
+                        <a:rPr lang="en-US" sz="2400" b="1" strike="noStrike" spc="-1" baseline="0" dirty="0" smtClean="0">
+                          <a:solidFill>
+                            <a:srgbClr val="000000"/>
+                          </a:solidFill>
+                          <a:uFill>
+                            <a:solidFill>
+                              <a:srgbClr val="FFFFFF"/>
+                            </a:solidFill>
+                          </a:uFill>
+                          <a:latin typeface="+mj-lt"/>
+                          <a:ea typeface="Arial"/>
+                        </a:rPr>
+                        <a:t> status</a:t>
+                      </a:r>
+                      <a:endParaRPr lang="en-US" sz="2400" b="1" strike="noStrike" spc="-1" dirty="0" smtClean="0">
+                        <a:solidFill>
+                          <a:srgbClr val="000000"/>
+                        </a:solidFill>
+                        <a:uFill>
+                          <a:solidFill>
+                            <a:srgbClr val="FFFFFF"/>
+                          </a:solidFill>
+                        </a:uFill>
+                        <a:latin typeface="+mj-lt"/>
+                        <a:ea typeface="Arial"/>
+                      </a:endParaRPr>
+                    </a:p>
+                    <a:p>
+                      <a:pPr marL="342000" marR="0" lvl="1" indent="-285480" defTabSz="914400" eaLnBrk="1" fontAlgn="auto" latinLnBrk="0" hangingPunct="1">
+                        <a:lnSpc>
+                          <a:spcPct val="100000"/>
+                        </a:lnSpc>
+                        <a:spcBef>
+                          <a:spcPts val="0"/>
+                        </a:spcBef>
+                        <a:spcAft>
+                          <a:spcPts val="0"/>
+                        </a:spcAft>
+                        <a:buClr>
+                          <a:srgbClr val="000000"/>
+                        </a:buClr>
+                        <a:buSzTx/>
+                        <a:buFont typeface="Arial"/>
+                        <a:buChar char="-"/>
+                        <a:tabLst/>
+                        <a:defRPr/>
+                      </a:pPr>
+                      <a:r>
+                        <a:rPr kumimoji="0" lang="en-US" altLang="ko-KR" sz="1600" b="0" i="0" u="none" strike="noStrike" kern="0" cap="none" spc="-1" normalizeH="0" baseline="0" noProof="0" dirty="0" smtClean="0">
+                          <a:ln>
+                            <a:noFill/>
+                          </a:ln>
+                          <a:solidFill>
+                            <a:srgbClr val="000000"/>
+                          </a:solidFill>
+                          <a:effectLst/>
+                          <a:uLnTx/>
+                          <a:uFill>
+                            <a:solidFill>
+                              <a:srgbClr val="FFFFFF"/>
+                            </a:solidFill>
+                          </a:uFill>
+                          <a:latin typeface="+mn-lt"/>
+                          <a:ea typeface="Arial"/>
+                        </a:rPr>
+                        <a:t>To check the server status in </a:t>
+                      </a:r>
+                      <a:r>
+                        <a:rPr kumimoji="0" lang="en-US" altLang="ko-KR" sz="1600" b="0" i="0" u="none" strike="noStrike" kern="0" cap="none" spc="-1" normalizeH="0" baseline="0" noProof="0" dirty="0" err="1" smtClean="0">
+                          <a:ln>
+                            <a:noFill/>
+                          </a:ln>
+                          <a:solidFill>
+                            <a:srgbClr val="000000"/>
+                          </a:solidFill>
+                          <a:effectLst/>
+                          <a:uLnTx/>
+                          <a:uFill>
+                            <a:solidFill>
+                              <a:srgbClr val="FFFFFF"/>
+                            </a:solidFill>
+                          </a:uFill>
+                          <a:latin typeface="+mn-lt"/>
+                          <a:ea typeface="Arial"/>
+                        </a:rPr>
+                        <a:t>realtime</a:t>
+                      </a:r>
+                      <a:endParaRPr kumimoji="0" lang="en-US" altLang="ko-KR" sz="1600" b="0" i="0" u="none" strike="noStrike" kern="0" cap="none" spc="-1" normalizeH="0" baseline="0" noProof="0" dirty="0" smtClean="0">
+                        <a:ln>
+                          <a:noFill/>
+                        </a:ln>
+                        <a:solidFill>
+                          <a:srgbClr val="000000"/>
+                        </a:solidFill>
+                        <a:effectLst/>
+                        <a:uLnTx/>
+                        <a:uFill>
+                          <a:solidFill>
+                            <a:srgbClr val="FFFFFF"/>
+                          </a:solidFill>
+                        </a:uFill>
+                        <a:latin typeface="+mn-lt"/>
+                        <a:ea typeface="Arial"/>
+                      </a:endParaRPr>
+                    </a:p>
+                    <a:p>
+                      <a:pPr marL="342000" marR="0" lvl="0" indent="-285480" defTabSz="914400" eaLnBrk="1" fontAlgn="auto" latinLnBrk="0" hangingPunct="1">
+                        <a:lnSpc>
+                          <a:spcPct val="100000"/>
+                        </a:lnSpc>
+                        <a:spcBef>
+                          <a:spcPts val="0"/>
+                        </a:spcBef>
+                        <a:spcAft>
+                          <a:spcPts val="0"/>
+                        </a:spcAft>
+                        <a:buClr>
+                          <a:srgbClr val="000000"/>
+                        </a:buClr>
+                        <a:buSzTx/>
+                        <a:buFont typeface="Arial"/>
+                        <a:buChar char="-"/>
+                        <a:tabLst/>
+                        <a:defRPr/>
+                      </a:pPr>
+                      <a:r>
+                        <a:rPr kumimoji="0" lang="en-US" altLang="ko-KR" sz="1600" b="0" i="0" u="none" strike="noStrike" kern="0" cap="none" spc="-1" normalizeH="0" baseline="0" noProof="0" dirty="0" smtClean="0">
+                          <a:ln>
+                            <a:noFill/>
+                          </a:ln>
+                          <a:solidFill>
+                            <a:srgbClr val="000000"/>
+                          </a:solidFill>
+                          <a:effectLst/>
+                          <a:uLnTx/>
+                          <a:uFill>
+                            <a:solidFill>
+                              <a:srgbClr val="FFFFFF"/>
+                            </a:solidFill>
+                          </a:uFill>
+                          <a:latin typeface="+mn-lt"/>
+                          <a:ea typeface="+mn-ea"/>
+                          <a:cs typeface="+mn-cs"/>
+                        </a:rPr>
+                        <a:t>Made with </a:t>
+                      </a:r>
+                      <a:r>
+                        <a:rPr kumimoji="0" lang="en-US" altLang="ko-KR" sz="1600" b="0" i="0" u="none" strike="noStrike" kern="0" cap="none" spc="-1" normalizeH="0" baseline="0" noProof="0" dirty="0" err="1" smtClean="0">
+                          <a:ln>
+                            <a:noFill/>
+                          </a:ln>
+                          <a:solidFill>
+                            <a:srgbClr val="000000"/>
+                          </a:solidFill>
+                          <a:effectLst/>
+                          <a:uLnTx/>
+                          <a:uFill>
+                            <a:solidFill>
+                              <a:srgbClr val="FFFFFF"/>
+                            </a:solidFill>
+                          </a:uFill>
+                          <a:latin typeface="+mn-lt"/>
+                          <a:ea typeface="+mn-ea"/>
+                          <a:cs typeface="+mn-cs"/>
+                        </a:rPr>
+                        <a:t>google</a:t>
+                      </a:r>
+                      <a:r>
+                        <a:rPr kumimoji="0" lang="en-US" altLang="ko-KR" sz="1600" b="0" i="0" u="none" strike="noStrike" kern="0" cap="none" spc="-1" normalizeH="0" baseline="0" noProof="0" dirty="0" smtClean="0">
+                          <a:ln>
+                            <a:noFill/>
+                          </a:ln>
+                          <a:solidFill>
+                            <a:srgbClr val="000000"/>
+                          </a:solidFill>
+                          <a:effectLst/>
+                          <a:uLnTx/>
+                          <a:uFill>
+                            <a:solidFill>
+                              <a:srgbClr val="FFFFFF"/>
+                            </a:solidFill>
+                          </a:uFill>
+                          <a:latin typeface="+mn-lt"/>
+                          <a:ea typeface="+mn-ea"/>
+                          <a:cs typeface="+mn-cs"/>
+                        </a:rPr>
+                        <a:t>-spreadsheet-</a:t>
+                      </a:r>
+                      <a:r>
+                        <a:rPr kumimoji="0" lang="en-US" altLang="ko-KR" sz="1600" b="0" i="0" u="none" strike="noStrike" kern="0" cap="none" spc="-1" normalizeH="0" baseline="0" noProof="0" dirty="0" err="1" smtClean="0">
+                          <a:ln>
+                            <a:noFill/>
+                          </a:ln>
+                          <a:solidFill>
+                            <a:srgbClr val="000000"/>
+                          </a:solidFill>
+                          <a:effectLst/>
+                          <a:uLnTx/>
+                          <a:uFill>
+                            <a:solidFill>
+                              <a:srgbClr val="FFFFFF"/>
+                            </a:solidFill>
+                          </a:uFill>
+                          <a:latin typeface="+mn-lt"/>
+                          <a:ea typeface="+mn-ea"/>
+                          <a:cs typeface="+mn-cs"/>
+                        </a:rPr>
+                        <a:t>api</a:t>
+                      </a:r>
+                      <a:endParaRPr kumimoji="0" lang="en-US" altLang="ko-KR" sz="1600" b="0" i="0" u="none" strike="noStrike" kern="0" cap="none" spc="-1" normalizeH="0" baseline="0" noProof="0" dirty="0" smtClean="0">
+                        <a:ln>
+                          <a:noFill/>
+                        </a:ln>
+                        <a:solidFill>
+                          <a:srgbClr val="000000"/>
+                        </a:solidFill>
+                        <a:effectLst/>
+                        <a:uLnTx/>
+                        <a:uFill>
+                          <a:solidFill>
+                            <a:srgbClr val="FFFFFF"/>
+                          </a:solidFill>
+                        </a:uFill>
+                        <a:latin typeface="+mn-lt"/>
+                        <a:ea typeface="+mn-ea"/>
+                        <a:cs typeface="+mn-cs"/>
+                      </a:endParaRPr>
+                    </a:p>
+                    <a:p>
+                      <a:pPr marL="285840" lvl="1" indent="-285480">
+                        <a:lnSpc>
+                          <a:spcPct val="100000"/>
+                        </a:lnSpc>
+                        <a:buClr>
+                          <a:srgbClr val="000000"/>
+                        </a:buClr>
+                        <a:buFont typeface="Arial"/>
+                        <a:buChar char="•"/>
+                      </a:pPr>
+                      <a:endParaRPr lang="en-US" sz="2400" b="1" strike="noStrike" spc="-1" dirty="0" smtClean="0">
+                        <a:solidFill>
+                          <a:srgbClr val="000000"/>
+                        </a:solidFill>
+                        <a:uFill>
+                          <a:solidFill>
+                            <a:srgbClr val="FFFFFF"/>
+                          </a:solidFill>
+                        </a:uFill>
+                        <a:latin typeface="+mj-lt"/>
+                        <a:ea typeface="Arial"/>
+                      </a:endParaRPr>
+                    </a:p>
+                    <a:p>
+                      <a:pPr marL="285840" lvl="1" indent="-285480">
+                        <a:lnSpc>
+                          <a:spcPct val="100000"/>
+                        </a:lnSpc>
+                        <a:buClr>
+                          <a:srgbClr val="000000"/>
+                        </a:buClr>
+                        <a:buFont typeface="Arial"/>
+                        <a:buChar char="•"/>
+                      </a:pPr>
+                      <a:r>
+                        <a:rPr lang="en-US" sz="2400" b="1" strike="noStrike" spc="-1" dirty="0" smtClean="0">
+                          <a:solidFill>
+                            <a:srgbClr val="000000"/>
+                          </a:solidFill>
+                          <a:uFill>
+                            <a:solidFill>
+                              <a:srgbClr val="FFFFFF"/>
+                            </a:solidFill>
+                          </a:uFill>
+                          <a:latin typeface="+mj-lt"/>
+                          <a:ea typeface="Arial"/>
+                        </a:rPr>
+                        <a:t>Audio </a:t>
+                      </a:r>
+                      <a:r>
+                        <a:rPr lang="en-US" sz="2400" b="1" strike="noStrike" spc="-1" dirty="0" smtClean="0">
+                          <a:solidFill>
+                            <a:srgbClr val="000000"/>
+                          </a:solidFill>
+                          <a:uFill>
+                            <a:solidFill>
+                              <a:srgbClr val="FFFFFF"/>
+                            </a:solidFill>
+                          </a:uFill>
+                          <a:latin typeface="+mj-lt"/>
+                          <a:ea typeface="Arial"/>
+                        </a:rPr>
+                        <a:t>Classification</a:t>
                       </a:r>
                       <a:endParaRPr lang="en-US" sz="2400" b="0" strike="noStrike" spc="-1" dirty="0" smtClean="0">
                         <a:solidFill>
@@ -5601,19 +5895,6 @@
                         </a:rPr>
                         <a:t>Visualize filter</a:t>
                       </a:r>
-                      <a:endParaRPr lang="en-US" altLang="ko-KR" sz="1600" b="0" strike="noStrike" spc="-1" baseline="0" dirty="0" smtClean="0">
-                        <a:solidFill>
-                          <a:srgbClr val="000000"/>
-                        </a:solidFill>
-                        <a:uFill>
-                          <a:solidFill>
-                            <a:srgbClr val="FFFFFF"/>
-                          </a:solidFill>
-                        </a:uFill>
-                        <a:latin typeface="+mn-lt"/>
-                        <a:ea typeface="+mn-ea"/>
-                        <a:cs typeface="+mn-cs"/>
-                      </a:endParaRPr>
                     </a:p>
                   </a:txBody>
                   <a:tcPr marL="91080" marR="91080">
@@ -6577,21 +6858,7 @@
                 </a:uFill>
                 <a:latin typeface="Arial"/>
               </a:rPr>
-              <a:t>Fine </a:t>
-            </a:r>
-            <a:r>
-              <a:rPr lang="en-US" spc="-1" dirty="0" smtClean="0">
-                <a:solidFill>
-                  <a:srgbClr val="000000"/>
-                </a:solidFill>
-                <a:uFill>
-                  <a:solidFill>
-                    <a:srgbClr val="FFFFFF"/>
-                  </a:solidFill>
-                </a:uFill>
-                <a:latin typeface="Arial"/>
-              </a:rPr>
-              <a:t>Tuning</a:t>
+              <a:t>Fine Tuning</a:t>
             </a:r>
           </a:p>
           <a:p>
@@ -7148,15 +7415,7 @@
           <a:p>
             <a:r>
               <a:rPr lang="en-US" altLang="ko-KR" dirty="0" smtClean="0"/>
-              <a:t>- </a:t>
-            </a:r>
-            <a:r>
-              <a:rPr lang="en-US" altLang="ko-KR" dirty="0" smtClean="0"/>
-              <a:t>9 </a:t>
-            </a:r>
-            <a:r>
-              <a:rPr lang="en-US" altLang="ko-KR" dirty="0" smtClean="0"/>
-              <a:t>-</a:t>
+              <a:t>- 9 -</a:t>
             </a:r>
             <a:endParaRPr lang="ko-KR" altLang="en-US" dirty="0"/>
           </a:p>
@@ -9255,15 +9514,7 @@
           <a:p>
             <a:r>
               <a:rPr lang="en-US" altLang="ko-KR" dirty="0" smtClean="0"/>
-              <a:t>- </a:t>
-            </a:r>
-            <a:r>
-              <a:rPr lang="en-US" altLang="ko-KR" dirty="0" smtClean="0"/>
-              <a:t>10 </a:t>
-            </a:r>
-            <a:r>
-              <a:rPr lang="en-US" altLang="ko-KR" dirty="0" smtClean="0"/>
-              <a:t>-</a:t>
+              <a:t>- 10 -</a:t>
             </a:r>
             <a:endParaRPr lang="ko-KR" altLang="en-US" dirty="0"/>
           </a:p>
@@ -9506,22 +9757,14 @@
           <a:p>
             <a:r>
               <a:rPr lang="en-US" altLang="ko-KR" dirty="0" smtClean="0"/>
-              <a:t>- </a:t>
-            </a:r>
-            <a:r>
-              <a:rPr lang="en-US" altLang="ko-KR" dirty="0" smtClean="0"/>
-              <a:t>11 </a:t>
-            </a:r>
-            <a:r>
-              <a:rPr lang="en-US" altLang="ko-KR" dirty="0" smtClean="0"/>
-              <a:t>-</a:t>
+              <a:t>- 11 -</a:t>
             </a:r>
             <a:endParaRPr lang="ko-KR" altLang="en-US" dirty="0"/>
           </a:p>
         </p:txBody>
       </p:sp>
-      <mc:AlternateContent xmlns:mc="http://schemas.openxmlformats.org/markup-compatibility/2006">
-        <mc:Choice xmlns:a14="http://schemas.microsoft.com/office/drawing/2010/main" Requires="a14">
+      <mc:AlternateContent xmlns:mc="http://schemas.openxmlformats.org/markup-compatibility/2006" xmlns:a14="http://schemas.microsoft.com/office/drawing/2010/main">
+        <mc:Choice Requires="a14">
           <p:graphicFrame>
             <p:nvGraphicFramePr>
               <p:cNvPr id="19" name="표 18"/>
@@ -9809,7 +10052,7 @@
                                           <a:srgbClr val="FFFFFF"/>
                                         </a:solidFill>
                                       </a:uFill>
-                                      <a:latin typeface="+mn-lt"/>
+                                      <a:latin typeface="Cambria Math"/>
                                       <a:ea typeface="Cambria Math"/>
                                       <a:cs typeface="+mn-cs"/>
                                     </a:rPr>
@@ -9826,7 +10069,7 @@
                                           <a:srgbClr val="FFFFFF"/>
                                         </a:solidFill>
                                       </a:uFill>
-                                      <a:latin typeface="+mn-lt"/>
+                                      <a:latin typeface="Cambria Math"/>
                                       <a:ea typeface="Cambria Math"/>
                                       <a:cs typeface="+mn-cs"/>
                                     </a:rPr>
@@ -9847,7 +10090,7 @@
                                           <a:srgbClr val="FFFFFF"/>
                                         </a:solidFill>
                                       </a:uFill>
-                                      <a:latin typeface="+mn-lt"/>
+                                      <a:latin typeface="Cambria Math"/>
                                       <a:ea typeface="Cambria Math"/>
                                       <a:cs typeface="+mn-cs"/>
                                     </a:rPr>
@@ -11127,7 +11370,7 @@
             </a:graphic>
           </p:graphicFrame>
         </mc:Choice>
-        <mc:Fallback>
+        <mc:Fallback xmlns="">
           <p:graphicFrame>
             <p:nvGraphicFramePr>
               <p:cNvPr id="19" name="표 18"/>
@@ -13022,15 +13265,7 @@
           <a:p>
             <a:r>
               <a:rPr lang="en-US" altLang="ko-KR" dirty="0" smtClean="0"/>
-              <a:t>- </a:t>
-            </a:r>
-            <a:r>
-              <a:rPr lang="en-US" altLang="ko-KR" dirty="0" smtClean="0"/>
-              <a:t>12 </a:t>
-            </a:r>
-            <a:r>
-              <a:rPr lang="en-US" altLang="ko-KR" dirty="0" smtClean="0"/>
-              <a:t>-</a:t>
+              <a:t>- 12 -</a:t>
             </a:r>
             <a:endParaRPr lang="ko-KR" altLang="en-US" dirty="0"/>
           </a:p>
@@ -13921,21 +14156,12 @@
             </a:pPr>
             <a:r>
               <a:rPr lang="en-US" altLang="ko-KR" dirty="0" smtClean="0"/>
-              <a:t>The accuracy </a:t>
-            </a:r>
-            <a:r>
-              <a:rPr lang="en-US" altLang="ko-KR" dirty="0" smtClean="0"/>
-              <a:t>was </a:t>
-            </a:r>
-            <a:r>
-              <a:rPr lang="en-US" altLang="ko-KR" dirty="0" smtClean="0"/>
-              <a:t>exceeded </a:t>
+              <a:t>The accuracy was exceeded </a:t>
             </a:r>
             <a:r>
               <a:rPr lang="en-US" altLang="ko-KR" dirty="0"/>
               <a:t>0.95</a:t>
             </a:r>
-            <a:endParaRPr lang="en-US" altLang="ko-KR" dirty="0"/>
           </a:p>
         </p:txBody>
       </p:sp>
@@ -13963,15 +14189,7 @@
           <a:p>
             <a:r>
               <a:rPr lang="en-US" altLang="ko-KR" dirty="0" smtClean="0"/>
-              <a:t>- </a:t>
-            </a:r>
-            <a:r>
-              <a:rPr lang="en-US" altLang="ko-KR" dirty="0" smtClean="0"/>
-              <a:t>13 </a:t>
-            </a:r>
-            <a:r>
-              <a:rPr lang="en-US" altLang="ko-KR" dirty="0" smtClean="0"/>
-              <a:t>-</a:t>
+              <a:t>- 13 -</a:t>
             </a:r>
             <a:endParaRPr lang="ko-KR" altLang="en-US" dirty="0"/>
           </a:p>
@@ -14138,23 +14356,7 @@
                           <a:ea typeface="+mn-ea"/>
                           <a:cs typeface="+mn-cs"/>
                         </a:rPr>
-                        <a:t> </a:t>
-                      </a:r>
-                      <a:r>
-                        <a:rPr lang="en-US" altLang="ko-KR" sz="1600" spc="-1" dirty="0" smtClean="0">
-                          <a:solidFill>
-                            <a:srgbClr val="000000"/>
-                          </a:solidFill>
-                          <a:uFill>
-                            <a:solidFill>
-                              <a:srgbClr val="FFFFFF"/>
-                            </a:solidFill>
-                          </a:uFill>
-                          <a:latin typeface="+mn-lt"/>
-                          <a:ea typeface="+mn-ea"/>
-                          <a:cs typeface="+mn-cs"/>
-                        </a:rPr>
-                        <a:t>32</a:t>
+                        <a:t> 32</a:t>
                       </a:r>
                       <a:r>
                         <a:rPr lang="en-US" altLang="ko-KR" sz="1600" baseline="0" dirty="0" smtClean="0">
@@ -14310,23 +14512,7 @@
                           <a:ea typeface="+mn-ea"/>
                           <a:cs typeface="+mn-cs"/>
                         </a:rPr>
-                        <a:t>, </a:t>
-                      </a:r>
-                      <a:r>
-                        <a:rPr lang="en-US" altLang="ko-KR" sz="1600" spc="-1" dirty="0" smtClean="0">
-                          <a:solidFill>
-                            <a:srgbClr val="000000"/>
-                          </a:solidFill>
-                          <a:uFill>
-                            <a:solidFill>
-                              <a:srgbClr val="FFFFFF"/>
-                            </a:solidFill>
-                          </a:uFill>
-                          <a:latin typeface="+mn-lt"/>
-                          <a:ea typeface="+mn-ea"/>
-                          <a:cs typeface="+mn-cs"/>
-                        </a:rPr>
-                        <a:t>32</a:t>
+                        <a:t>, 32</a:t>
                       </a:r>
                       <a:r>
                         <a:rPr lang="en-US" altLang="ko-KR" sz="1600" baseline="0" dirty="0" smtClean="0">
@@ -14487,23 +14673,7 @@
                           <a:ea typeface="+mn-ea"/>
                           <a:cs typeface="+mn-cs"/>
                         </a:rPr>
-                        <a:t>, </a:t>
-                      </a:r>
-                      <a:r>
-                        <a:rPr lang="en-US" altLang="ko-KR" sz="1600" spc="-1" dirty="0" smtClean="0">
-                          <a:solidFill>
-                            <a:srgbClr val="000000"/>
-                          </a:solidFill>
-                          <a:uFill>
-                            <a:solidFill>
-                              <a:srgbClr val="FFFFFF"/>
-                            </a:solidFill>
-                          </a:uFill>
-                          <a:latin typeface="+mn-lt"/>
-                          <a:ea typeface="+mn-ea"/>
-                          <a:cs typeface="+mn-cs"/>
-                        </a:rPr>
-                        <a:t>32</a:t>
+                        <a:t>, 32</a:t>
                       </a:r>
                       <a:r>
                         <a:rPr lang="en-US" altLang="ko-KR" sz="1600" baseline="0" dirty="0" smtClean="0">
@@ -14652,23 +14822,7 @@
                           <a:ea typeface="+mn-ea"/>
                           <a:cs typeface="+mn-cs"/>
                         </a:rPr>
-                        <a:t>, </a:t>
-                      </a:r>
-                      <a:r>
-                        <a:rPr lang="en-US" altLang="ko-KR" sz="1600" spc="-1" dirty="0" smtClean="0">
-                          <a:solidFill>
-                            <a:srgbClr val="000000"/>
-                          </a:solidFill>
-                          <a:uFill>
-                            <a:solidFill>
-                              <a:srgbClr val="FFFFFF"/>
-                            </a:solidFill>
-                          </a:uFill>
-                          <a:latin typeface="+mn-lt"/>
-                          <a:ea typeface="+mn-ea"/>
-                          <a:cs typeface="+mn-cs"/>
-                        </a:rPr>
-                        <a:t>32</a:t>
+                        <a:t>, 32</a:t>
                       </a:r>
                       <a:r>
                         <a:rPr lang="en-US" altLang="ko-KR" sz="1600" baseline="0" dirty="0" smtClean="0">
@@ -14822,23 +14976,7 @@
                           <a:ea typeface="+mn-ea"/>
                           <a:cs typeface="+mn-cs"/>
                         </a:rPr>
-                        <a:t>, </a:t>
-                      </a:r>
-                      <a:r>
-                        <a:rPr lang="en-US" altLang="ko-KR" sz="1600" spc="-1" dirty="0" smtClean="0">
-                          <a:solidFill>
-                            <a:srgbClr val="000000"/>
-                          </a:solidFill>
-                          <a:uFill>
-                            <a:solidFill>
-                              <a:srgbClr val="FFFFFF"/>
-                            </a:solidFill>
-                          </a:uFill>
-                          <a:latin typeface="+mn-lt"/>
-                          <a:ea typeface="+mn-ea"/>
-                          <a:cs typeface="+mn-cs"/>
-                        </a:rPr>
-                        <a:t>64</a:t>
+                        <a:t>, 64</a:t>
                       </a:r>
                       <a:r>
                         <a:rPr lang="en-US" altLang="ko-KR" sz="1600" baseline="0" dirty="0" smtClean="0">
@@ -14992,23 +15130,7 @@
                           <a:ea typeface="+mn-ea"/>
                           <a:cs typeface="+mn-cs"/>
                         </a:rPr>
-                        <a:t>, </a:t>
-                      </a:r>
-                      <a:r>
-                        <a:rPr lang="en-US" altLang="ko-KR" sz="1600" spc="-1" dirty="0" smtClean="0">
-                          <a:solidFill>
-                            <a:srgbClr val="000000"/>
-                          </a:solidFill>
-                          <a:uFill>
-                            <a:solidFill>
-                              <a:srgbClr val="FFFFFF"/>
-                            </a:solidFill>
-                          </a:uFill>
-                          <a:latin typeface="+mn-lt"/>
-                          <a:ea typeface="+mn-ea"/>
-                          <a:cs typeface="+mn-cs"/>
-                        </a:rPr>
-                        <a:t>64</a:t>
+                        <a:t>, 64</a:t>
                       </a:r>
                       <a:r>
                         <a:rPr lang="en-US" altLang="ko-KR" sz="1600" baseline="0" dirty="0" smtClean="0">
@@ -15162,23 +15284,7 @@
                           <a:ea typeface="+mn-ea"/>
                           <a:cs typeface="+mn-cs"/>
                         </a:rPr>
-                        <a:t>, </a:t>
-                      </a:r>
-                      <a:r>
-                        <a:rPr lang="en-US" altLang="ko-KR" sz="1600" spc="-1" dirty="0" smtClean="0">
-                          <a:solidFill>
-                            <a:srgbClr val="000000"/>
-                          </a:solidFill>
-                          <a:uFill>
-                            <a:solidFill>
-                              <a:srgbClr val="FFFFFF"/>
-                            </a:solidFill>
-                          </a:uFill>
-                          <a:latin typeface="+mn-lt"/>
-                          <a:ea typeface="+mn-ea"/>
-                          <a:cs typeface="+mn-cs"/>
-                        </a:rPr>
-                        <a:t>64</a:t>
+                        <a:t>, 64</a:t>
                       </a:r>
                       <a:r>
                         <a:rPr lang="en-US" altLang="ko-KR" sz="1600" baseline="0" dirty="0" smtClean="0">
@@ -15332,23 +15438,7 @@
                           <a:ea typeface="+mn-ea"/>
                           <a:cs typeface="+mn-cs"/>
                         </a:rPr>
-                        <a:t>, </a:t>
-                      </a:r>
-                      <a:r>
-                        <a:rPr lang="en-US" altLang="ko-KR" sz="1600" spc="-1" dirty="0" smtClean="0">
-                          <a:solidFill>
-                            <a:srgbClr val="000000"/>
-                          </a:solidFill>
-                          <a:uFill>
-                            <a:solidFill>
-                              <a:srgbClr val="FFFFFF"/>
-                            </a:solidFill>
-                          </a:uFill>
-                          <a:latin typeface="+mn-lt"/>
-                          <a:ea typeface="+mn-ea"/>
-                          <a:cs typeface="+mn-cs"/>
-                        </a:rPr>
-                        <a:t>64</a:t>
+                        <a:t>, 64</a:t>
                       </a:r>
                       <a:r>
                         <a:rPr lang="en-US" altLang="ko-KR" sz="1600" baseline="0" dirty="0" smtClean="0">
@@ -15502,23 +15592,7 @@
                           <a:ea typeface="+mn-ea"/>
                           <a:cs typeface="+mn-cs"/>
                         </a:rPr>
-                        <a:t>, </a:t>
-                      </a:r>
-                      <a:r>
-                        <a:rPr lang="en-US" altLang="ko-KR" sz="1600" spc="-1" dirty="0" smtClean="0">
-                          <a:solidFill>
-                            <a:srgbClr val="000000"/>
-                          </a:solidFill>
-                          <a:uFill>
-                            <a:solidFill>
-                              <a:srgbClr val="FFFFFF"/>
-                            </a:solidFill>
-                          </a:uFill>
-                          <a:latin typeface="+mn-lt"/>
-                          <a:ea typeface="+mn-ea"/>
-                          <a:cs typeface="+mn-cs"/>
-                        </a:rPr>
-                        <a:t>128</a:t>
+                        <a:t>, 128</a:t>
                       </a:r>
                       <a:r>
                         <a:rPr lang="en-US" altLang="ko-KR" sz="1600" baseline="0" dirty="0" smtClean="0">
@@ -15806,23 +15880,7 @@
             </a:pPr>
             <a:r>
               <a:rPr lang="en-US" altLang="ko-KR" dirty="0" smtClean="0"/>
-              <a:t>This is SOTA(State Of The Art) in </a:t>
-            </a:r>
-            <a:r>
-              <a:rPr lang="en-US" altLang="ko-KR" dirty="0" smtClean="0"/>
-              <a:t>current</a:t>
-            </a:r>
-            <a:r>
-              <a:rPr lang="en-US" altLang="ko-KR" dirty="0" smtClean="0"/>
-              <a:t> </a:t>
-            </a:r>
-            <a:r>
-              <a:rPr lang="en-US" altLang="ko-KR" dirty="0" smtClean="0"/>
-              <a:t>research</a:t>
-            </a:r>
-            <a:r>
-              <a:rPr lang="en-US" altLang="ko-KR" dirty="0" smtClean="0"/>
-              <a:t>.</a:t>
+              <a:t>This is SOTA(State Of The Art) in current research.</a:t>
             </a:r>
           </a:p>
           <a:p>
@@ -15885,22 +15943,14 @@
           <a:p>
             <a:r>
               <a:rPr lang="en-US" altLang="ko-KR" dirty="0" smtClean="0"/>
-              <a:t>- </a:t>
-            </a:r>
-            <a:r>
-              <a:rPr lang="en-US" altLang="ko-KR" dirty="0" smtClean="0"/>
-              <a:t>14 </a:t>
-            </a:r>
-            <a:r>
-              <a:rPr lang="en-US" altLang="ko-KR" dirty="0" smtClean="0"/>
-              <a:t>-</a:t>
+              <a:t>- 14 -</a:t>
             </a:r>
             <a:endParaRPr lang="ko-KR" altLang="en-US" dirty="0"/>
           </a:p>
         </p:txBody>
       </p:sp>
-      <mc:AlternateContent xmlns:mc="http://schemas.openxmlformats.org/markup-compatibility/2006">
-        <mc:Choice xmlns:a14="http://schemas.microsoft.com/office/drawing/2010/main" Requires="a14">
+      <mc:AlternateContent xmlns:mc="http://schemas.openxmlformats.org/markup-compatibility/2006" xmlns:a14="http://schemas.microsoft.com/office/drawing/2010/main">
+        <mc:Choice Requires="a14">
           <p:graphicFrame>
             <p:nvGraphicFramePr>
               <p:cNvPr id="19" name="표 18"/>
@@ -16188,7 +16238,7 @@
                                           <a:srgbClr val="FFFFFF"/>
                                         </a:solidFill>
                                       </a:uFill>
-                                      <a:latin typeface="+mn-lt"/>
+                                      <a:latin typeface="Cambria Math"/>
                                       <a:ea typeface="Cambria Math"/>
                                       <a:cs typeface="+mn-cs"/>
                                     </a:rPr>
@@ -16205,7 +16255,7 @@
                                           <a:srgbClr val="FFFFFF"/>
                                         </a:solidFill>
                                       </a:uFill>
-                                      <a:latin typeface="+mn-lt"/>
+                                      <a:latin typeface="Cambria Math"/>
                                       <a:ea typeface="Cambria Math"/>
                                       <a:cs typeface="+mn-cs"/>
                                     </a:rPr>
@@ -16226,7 +16276,7 @@
                                           <a:srgbClr val="FFFFFF"/>
                                         </a:solidFill>
                                       </a:uFill>
-                                      <a:latin typeface="+mn-lt"/>
+                                      <a:latin typeface="Cambria Math"/>
                                       <a:ea typeface="Cambria Math"/>
                                       <a:cs typeface="+mn-cs"/>
                                     </a:rPr>
@@ -17699,7 +17749,7 @@
             </a:graphic>
           </p:graphicFrame>
         </mc:Choice>
-        <mc:Fallback>
+        <mc:Fallback xmlns="">
           <p:graphicFrame>
             <p:nvGraphicFramePr>
               <p:cNvPr id="19" name="표 18"/>
@@ -19728,13 +19778,8 @@
             <a:pPr algn="ctr"/>
             <a:r>
               <a:rPr lang="en-US" altLang="ko-KR" sz="900" b="1" dirty="0" smtClean="0"/>
-              <a:t>channel </a:t>
-            </a:r>
-            <a:r>
-              <a:rPr lang="en-US" altLang="ko-KR" sz="900" b="1" dirty="0" smtClean="0"/>
-              <a:t>32</a:t>
-            </a:r>
-            <a:endParaRPr lang="en-US" altLang="ko-KR" sz="900" b="1" dirty="0" smtClean="0"/>
+              <a:t>channel 32</a:t>
+            </a:r>
           </a:p>
           <a:p>
             <a:pPr algn="ctr"/>
@@ -20099,15 +20144,7 @@
           <a:p>
             <a:r>
               <a:rPr lang="en-US" altLang="ko-KR" dirty="0" smtClean="0"/>
-              <a:t>- </a:t>
-            </a:r>
-            <a:r>
-              <a:rPr lang="en-US" altLang="ko-KR" dirty="0" smtClean="0"/>
-              <a:t>15 </a:t>
-            </a:r>
-            <a:r>
-              <a:rPr lang="en-US" altLang="ko-KR" dirty="0" smtClean="0"/>
-              <a:t>-</a:t>
+              <a:t>- 15 -</a:t>
             </a:r>
             <a:endParaRPr lang="ko-KR" altLang="en-US" dirty="0"/>
           </a:p>
@@ -20603,23 +20640,14 @@
             <a:pPr algn="ctr"/>
             <a:r>
               <a:rPr lang="en-US" altLang="ko-KR" sz="1100" b="1" dirty="0" smtClean="0"/>
-              <a:t>channel </a:t>
-            </a:r>
+              <a:t>channel 32</a:t>
+            </a:r>
+          </a:p>
+          <a:p>
+            <a:pPr algn="ctr"/>
             <a:r>
               <a:rPr lang="en-US" altLang="ko-KR" sz="1100" b="1" dirty="0" smtClean="0"/>
-              <a:t>32</a:t>
-            </a:r>
-            <a:endParaRPr lang="en-US" altLang="ko-KR" sz="1100" b="1" dirty="0" smtClean="0"/>
-          </a:p>
-          <a:p>
-            <a:pPr algn="ctr"/>
-            <a:r>
-              <a:rPr lang="en-US" altLang="ko-KR" sz="1100" b="1" dirty="0" smtClean="0"/>
-              <a:t>DO(0.75</a:t>
-            </a:r>
-            <a:r>
-              <a:rPr lang="en-US" altLang="ko-KR" sz="1100" b="1" dirty="0" smtClean="0"/>
-              <a:t>)</a:t>
+              <a:t>DO(0.75)</a:t>
             </a:r>
           </a:p>
         </p:txBody>
@@ -20649,11 +20677,7 @@
             <a:pPr algn="ctr"/>
             <a:r>
               <a:rPr lang="en-US" altLang="ko-KR" sz="1400" b="1" dirty="0" smtClean="0"/>
-              <a:t>base </a:t>
-            </a:r>
-            <a:r>
-              <a:rPr lang="en-US" altLang="ko-KR" sz="1400" b="1" dirty="0" smtClean="0"/>
-              <a:t>model</a:t>
+              <a:t>base model</a:t>
             </a:r>
           </a:p>
         </p:txBody>
@@ -21179,15 +21203,7 @@
             </a:pPr>
             <a:r>
               <a:rPr lang="en-US" altLang="ko-KR" dirty="0" smtClean="0"/>
-              <a:t>I tune the dropout’s rate in ‘custom </a:t>
-            </a:r>
-            <a:r>
-              <a:rPr lang="en-US" altLang="ko-KR" dirty="0" smtClean="0"/>
-              <a:t>ch128’ </a:t>
-            </a:r>
-            <a:r>
-              <a:rPr lang="en-US" altLang="ko-KR" dirty="0" smtClean="0"/>
-              <a:t>model</a:t>
+              <a:t>I tune the dropout’s rate in ‘custom ch128’ model</a:t>
             </a:r>
           </a:p>
           <a:p>
@@ -21230,15 +21246,7 @@
           <a:p>
             <a:r>
               <a:rPr lang="en-US" altLang="ko-KR" dirty="0" smtClean="0"/>
-              <a:t>- </a:t>
-            </a:r>
-            <a:r>
-              <a:rPr lang="en-US" altLang="ko-KR" dirty="0" smtClean="0"/>
-              <a:t>16 </a:t>
-            </a:r>
-            <a:r>
-              <a:rPr lang="en-US" altLang="ko-KR" dirty="0" smtClean="0"/>
-              <a:t>-</a:t>
+              <a:t>- 16 -</a:t>
             </a:r>
             <a:endParaRPr lang="ko-KR" altLang="en-US" dirty="0"/>
           </a:p>
@@ -22947,11 +22955,7 @@
             </a:r>
             <a:r>
               <a:rPr lang="en-US" altLang="ko-KR" dirty="0" smtClean="0"/>
-              <a:t>current research</a:t>
-            </a:r>
-            <a:r>
-              <a:rPr lang="en-US" altLang="ko-KR" dirty="0" smtClean="0"/>
-              <a:t>.</a:t>
+              <a:t>current research.</a:t>
             </a:r>
           </a:p>
           <a:p>
@@ -22966,7 +22970,6 @@
               <a:rPr lang="en-US" altLang="ko-KR" dirty="0"/>
               <a:t>The accuracy achieve 0.97</a:t>
             </a:r>
-            <a:endParaRPr lang="en-US" altLang="ko-KR" dirty="0"/>
           </a:p>
         </p:txBody>
       </p:sp>
@@ -22994,22 +22997,14 @@
           <a:p>
             <a:r>
               <a:rPr lang="en-US" altLang="ko-KR" dirty="0" smtClean="0"/>
-              <a:t>- </a:t>
-            </a:r>
-            <a:r>
-              <a:rPr lang="en-US" altLang="ko-KR" dirty="0" smtClean="0"/>
-              <a:t>17 </a:t>
-            </a:r>
-            <a:r>
-              <a:rPr lang="en-US" altLang="ko-KR" dirty="0" smtClean="0"/>
-              <a:t>-</a:t>
+              <a:t>- 17 -</a:t>
             </a:r>
             <a:endParaRPr lang="ko-KR" altLang="en-US" dirty="0"/>
           </a:p>
         </p:txBody>
       </p:sp>
-      <mc:AlternateContent xmlns:mc="http://schemas.openxmlformats.org/markup-compatibility/2006">
-        <mc:Choice xmlns:a14="http://schemas.microsoft.com/office/drawing/2010/main" Requires="a14">
+      <mc:AlternateContent xmlns:mc="http://schemas.openxmlformats.org/markup-compatibility/2006" xmlns:a14="http://schemas.microsoft.com/office/drawing/2010/main">
+        <mc:Choice Requires="a14">
           <p:graphicFrame>
             <p:nvGraphicFramePr>
               <p:cNvPr id="19" name="표 18"/>
@@ -23300,7 +23295,7 @@
                                           <a:srgbClr val="FFFFFF"/>
                                         </a:solidFill>
                                       </a:uFill>
-                                      <a:latin typeface="+mn-lt"/>
+                                      <a:latin typeface="Cambria Math"/>
                                       <a:ea typeface="Cambria Math"/>
                                       <a:cs typeface="+mn-cs"/>
                                     </a:rPr>
@@ -23317,7 +23312,7 @@
                                           <a:srgbClr val="FFFFFF"/>
                                         </a:solidFill>
                                       </a:uFill>
-                                      <a:latin typeface="+mn-lt"/>
+                                      <a:latin typeface="Cambria Math"/>
                                       <a:ea typeface="Cambria Math"/>
                                       <a:cs typeface="+mn-cs"/>
                                     </a:rPr>
@@ -23338,7 +23333,7 @@
                                           <a:srgbClr val="FFFFFF"/>
                                         </a:solidFill>
                                       </a:uFill>
-                                      <a:latin typeface="+mn-lt"/>
+                                      <a:latin typeface="Cambria Math"/>
                                       <a:ea typeface="Cambria Math"/>
                                       <a:cs typeface="+mn-cs"/>
                                     </a:rPr>
@@ -24896,7 +24891,7 @@
             </a:graphic>
           </p:graphicFrame>
         </mc:Choice>
-        <mc:Fallback>
+        <mc:Fallback xmlns="">
           <p:graphicFrame>
             <p:nvGraphicFramePr>
               <p:cNvPr id="19" name="표 18"/>
@@ -26885,13 +26880,8 @@
             <a:pPr algn="ctr"/>
             <a:r>
               <a:rPr lang="en-US" altLang="ko-KR" sz="800" b="1" dirty="0" smtClean="0"/>
-              <a:t>channel </a:t>
-            </a:r>
-            <a:r>
-              <a:rPr lang="en-US" altLang="ko-KR" sz="800" b="1" dirty="0" smtClean="0"/>
-              <a:t>128</a:t>
-            </a:r>
-            <a:endParaRPr lang="en-US" altLang="ko-KR" sz="800" b="1" dirty="0" smtClean="0"/>
+              <a:t>channel 128</a:t>
+            </a:r>
           </a:p>
           <a:p>
             <a:pPr algn="ctr"/>
@@ -26899,7 +26889,6 @@
               <a:rPr lang="en-US" altLang="ko-KR" sz="800" b="1" dirty="0" smtClean="0"/>
               <a:t>DO(0.25)+BN</a:t>
             </a:r>
-            <a:endParaRPr lang="en-US" altLang="ko-KR" sz="800" b="1" dirty="0" smtClean="0"/>
           </a:p>
         </p:txBody>
       </p:sp>
@@ -27257,15 +27246,7 @@
           <a:p>
             <a:r>
               <a:rPr lang="en-US" altLang="ko-KR" dirty="0" smtClean="0"/>
-              <a:t>- </a:t>
-            </a:r>
-            <a:r>
-              <a:rPr lang="en-US" altLang="ko-KR" dirty="0" smtClean="0"/>
-              <a:t>18 </a:t>
-            </a:r>
-            <a:r>
-              <a:rPr lang="en-US" altLang="ko-KR" dirty="0" smtClean="0"/>
-              <a:t>-</a:t>
+              <a:t>- 18 -</a:t>
             </a:r>
             <a:endParaRPr lang="ko-KR" altLang="en-US" dirty="0"/>
           </a:p>
@@ -27761,13 +27742,8 @@
             <a:pPr algn="ctr"/>
             <a:r>
               <a:rPr lang="en-US" altLang="ko-KR" sz="1100" b="1" dirty="0" smtClean="0"/>
-              <a:t>channel </a:t>
-            </a:r>
-            <a:r>
-              <a:rPr lang="en-US" altLang="ko-KR" sz="1100" b="1" dirty="0" smtClean="0"/>
-              <a:t>128</a:t>
-            </a:r>
-            <a:endParaRPr lang="en-US" altLang="ko-KR" sz="1100" b="1" dirty="0" smtClean="0"/>
+              <a:t>channel 128</a:t>
+            </a:r>
           </a:p>
           <a:p>
             <a:pPr algn="ctr"/>
@@ -27803,11 +27779,7 @@
             <a:pPr algn="ctr"/>
             <a:r>
               <a:rPr lang="en-US" altLang="ko-KR" sz="1400" b="1" dirty="0" smtClean="0"/>
-              <a:t>base </a:t>
-            </a:r>
-            <a:r>
-              <a:rPr lang="en-US" altLang="ko-KR" sz="1400" b="1" dirty="0" smtClean="0"/>
-              <a:t>model</a:t>
+              <a:t>base model</a:t>
             </a:r>
           </a:p>
         </p:txBody>
@@ -28261,7 +28233,7 @@
               </a:lnSpc>
             </a:pPr>
             <a:r>
-              <a:rPr lang="en-US" sz="3600" b="1" strike="noStrike" spc="-1">
+              <a:rPr lang="en-US" altLang="ko-KR" sz="3600" b="1" spc="-1" dirty="0">
                 <a:solidFill>
                   <a:srgbClr val="000000"/>
                 </a:solidFill>
@@ -28270,12 +28242,11 @@
                     <a:srgbClr val="FFFFFF"/>
                   </a:solidFill>
                 </a:uFill>
-                <a:latin typeface="Arial"/>
                 <a:ea typeface="Arial"/>
               </a:rPr>
-              <a:t>Audio Classification</a:t>
-            </a:r>
-            <a:endParaRPr lang="en-US" sz="1800" b="0" strike="noStrike" spc="-1">
+              <a:t>Server status</a:t>
+            </a:r>
+            <a:endParaRPr lang="en-US" sz="1800" b="0" strike="noStrike" spc="-1" dirty="0">
               <a:solidFill>
                 <a:srgbClr val="000000"/>
               </a:solidFill>
@@ -28616,15 +28587,7 @@
           <a:p>
             <a:r>
               <a:rPr lang="en-US" altLang="ko-KR" dirty="0" smtClean="0"/>
-              <a:t>- </a:t>
-            </a:r>
-            <a:r>
-              <a:rPr lang="en-US" altLang="ko-KR" dirty="0" smtClean="0"/>
-              <a:t>19 </a:t>
-            </a:r>
-            <a:r>
-              <a:rPr lang="en-US" altLang="ko-KR" dirty="0" smtClean="0"/>
-              <a:t>-</a:t>
+              <a:t>- 19 -</a:t>
             </a:r>
             <a:endParaRPr lang="ko-KR" altLang="en-US" dirty="0"/>
           </a:p>
@@ -29120,13 +29083,8 @@
             <a:pPr algn="ctr"/>
             <a:r>
               <a:rPr lang="en-US" altLang="ko-KR" sz="1100" b="1" dirty="0" smtClean="0"/>
-              <a:t>channel </a:t>
-            </a:r>
-            <a:r>
-              <a:rPr lang="en-US" altLang="ko-KR" sz="1100" b="1" dirty="0" smtClean="0"/>
-              <a:t>128</a:t>
-            </a:r>
-            <a:endParaRPr lang="en-US" altLang="ko-KR" sz="1100" b="1" dirty="0" smtClean="0"/>
+              <a:t>channel 128</a:t>
+            </a:r>
           </a:p>
           <a:p>
             <a:pPr algn="ctr"/>
@@ -29302,23 +29260,14 @@
             <a:pPr algn="ctr"/>
             <a:r>
               <a:rPr lang="en-US" altLang="ko-KR" sz="1100" b="1" dirty="0" smtClean="0"/>
-              <a:t>channel </a:t>
-            </a:r>
+              <a:t>channel 32</a:t>
+            </a:r>
+          </a:p>
+          <a:p>
+            <a:pPr algn="ctr"/>
             <a:r>
               <a:rPr lang="en-US" altLang="ko-KR" sz="1100" b="1" dirty="0" smtClean="0"/>
-              <a:t>32</a:t>
-            </a:r>
-            <a:endParaRPr lang="en-US" altLang="ko-KR" sz="1100" b="1" dirty="0" smtClean="0"/>
-          </a:p>
-          <a:p>
-            <a:pPr algn="ctr"/>
-            <a:r>
-              <a:rPr lang="en-US" altLang="ko-KR" sz="1100" b="1" dirty="0" smtClean="0"/>
-              <a:t>DO(0.75</a:t>
-            </a:r>
-            <a:r>
-              <a:rPr lang="en-US" altLang="ko-KR" sz="1100" b="1" dirty="0" smtClean="0"/>
-              <a:t>)</a:t>
+              <a:t>DO(0.75)</a:t>
             </a:r>
           </a:p>
         </p:txBody>
@@ -29942,19 +29891,7 @@
           <a:p>
             <a:r>
               <a:rPr lang="en-US" altLang="ko-KR" dirty="0" smtClean="0"/>
-              <a:t>- </a:t>
-            </a:r>
-            <a:r>
-              <a:rPr lang="en-US" altLang="ko-KR" dirty="0" smtClean="0"/>
-              <a:t>20</a:t>
-            </a:r>
-            <a:r>
-              <a:rPr lang="en-US" altLang="ko-KR" dirty="0" smtClean="0"/>
-              <a:t> </a:t>
-            </a:r>
-            <a:r>
-              <a:rPr lang="en-US" altLang="ko-KR" dirty="0" smtClean="0"/>
-              <a:t>-</a:t>
+              <a:t>- 20 -</a:t>
             </a:r>
             <a:endParaRPr lang="ko-KR" altLang="en-US" dirty="0"/>
           </a:p>
@@ -30245,7 +30182,6 @@
                 <a:rPr lang="en-US" altLang="ko-KR" sz="800" dirty="0" smtClean="0"/>
                 <a:t>(32, 5)</a:t>
               </a:r>
-              <a:endParaRPr lang="en-US" altLang="ko-KR" sz="800" dirty="0" smtClean="0"/>
             </a:p>
           </p:txBody>
         </p:sp>
@@ -31565,7 +31501,7 @@
               </a:lnSpc>
             </a:pPr>
             <a:r>
-              <a:rPr lang="en-US" sz="3600" b="1" strike="noStrike" spc="-1">
+              <a:rPr lang="en-US" altLang="ko-KR" sz="3600" b="1" spc="-1" dirty="0">
                 <a:solidFill>
                   <a:srgbClr val="000000"/>
                 </a:solidFill>
@@ -31574,12 +31510,11 @@
                     <a:srgbClr val="FFFFFF"/>
                   </a:solidFill>
                 </a:uFill>
-                <a:latin typeface="Arial"/>
                 <a:ea typeface="Arial"/>
               </a:rPr>
-              <a:t>Audio Classification</a:t>
-            </a:r>
-            <a:endParaRPr lang="en-US" sz="1800" b="0" strike="noStrike" spc="-1">
+              <a:t>Server status</a:t>
+            </a:r>
+            <a:endParaRPr lang="en-US" sz="1800" b="0" strike="noStrike" spc="-1" dirty="0">
               <a:solidFill>
                 <a:srgbClr val="000000"/>
               </a:solidFill>
@@ -31706,15 +31641,7 @@
           <a:p>
             <a:r>
               <a:rPr lang="en-US" altLang="ko-KR" dirty="0" smtClean="0"/>
-              <a:t>- </a:t>
-            </a:r>
-            <a:r>
-              <a:rPr lang="en-US" altLang="ko-KR" dirty="0" smtClean="0"/>
-              <a:t>2 </a:t>
-            </a:r>
-            <a:r>
-              <a:rPr lang="en-US" altLang="ko-KR" dirty="0" smtClean="0"/>
-              <a:t>-</a:t>
+              <a:t>- 2 -</a:t>
             </a:r>
             <a:endParaRPr lang="ko-KR" altLang="en-US" dirty="0"/>
           </a:p>
@@ -32340,7 +32267,7 @@
               </a:lnSpc>
             </a:pPr>
             <a:r>
-              <a:rPr lang="en-US" sz="3600" b="1" strike="noStrike" spc="-1">
+              <a:rPr lang="en-US" altLang="ko-KR" sz="3600" b="1" spc="-1" dirty="0">
                 <a:solidFill>
                   <a:srgbClr val="000000"/>
                 </a:solidFill>
@@ -32349,12 +32276,11 @@
                     <a:srgbClr val="FFFFFF"/>
                   </a:solidFill>
                 </a:uFill>
-                <a:latin typeface="Arial"/>
                 <a:ea typeface="Arial"/>
               </a:rPr>
-              <a:t>Audio Classification</a:t>
-            </a:r>
-            <a:endParaRPr lang="en-US" sz="1800" b="0" strike="noStrike" spc="-1">
+              <a:t>Server status</a:t>
+            </a:r>
+            <a:endParaRPr lang="en-US" sz="1800" b="0" strike="noStrike" spc="-1" dirty="0">
               <a:solidFill>
                 <a:srgbClr val="000000"/>
               </a:solidFill>
@@ -32476,15 +32402,7 @@
           <a:p>
             <a:r>
               <a:rPr lang="en-US" altLang="ko-KR" dirty="0" smtClean="0"/>
-              <a:t>- </a:t>
-            </a:r>
-            <a:r>
-              <a:rPr lang="en-US" altLang="ko-KR" dirty="0" smtClean="0"/>
-              <a:t>3 </a:t>
-            </a:r>
-            <a:r>
-              <a:rPr lang="en-US" altLang="ko-KR" dirty="0" smtClean="0"/>
-              <a:t>-</a:t>
+              <a:t>- 3 -</a:t>
             </a:r>
             <a:endParaRPr lang="ko-KR" altLang="en-US" dirty="0"/>
           </a:p>
@@ -32929,7 +32847,7 @@
               </a:lnSpc>
             </a:pPr>
             <a:r>
-              <a:rPr lang="en-US" sz="3600" b="1" strike="noStrike" spc="-1">
+              <a:rPr lang="en-US" altLang="ko-KR" sz="3600" b="1" spc="-1" dirty="0">
                 <a:solidFill>
                   <a:srgbClr val="000000"/>
                 </a:solidFill>
@@ -32938,12 +32856,11 @@
                     <a:srgbClr val="FFFFFF"/>
                   </a:solidFill>
                 </a:uFill>
-                <a:latin typeface="Arial"/>
                 <a:ea typeface="Arial"/>
               </a:rPr>
-              <a:t>Audio Classification</a:t>
-            </a:r>
-            <a:endParaRPr lang="en-US" sz="1800" b="0" strike="noStrike" spc="-1">
+              <a:t>Server status</a:t>
+            </a:r>
+            <a:endParaRPr lang="en-US" sz="1800" b="0" strike="noStrike" spc="-1" dirty="0">
               <a:solidFill>
                 <a:srgbClr val="000000"/>
               </a:solidFill>
@@ -33032,15 +32949,7 @@
           <a:p>
             <a:r>
               <a:rPr lang="en-US" altLang="ko-KR" dirty="0" smtClean="0"/>
-              <a:t>- </a:t>
-            </a:r>
-            <a:r>
-              <a:rPr lang="en-US" altLang="ko-KR" dirty="0" smtClean="0"/>
-              <a:t>4 </a:t>
-            </a:r>
-            <a:r>
-              <a:rPr lang="en-US" altLang="ko-KR" dirty="0" smtClean="0"/>
-              <a:t>-</a:t>
+              <a:t>- 4 -</a:t>
             </a:r>
             <a:endParaRPr lang="ko-KR" altLang="en-US" dirty="0"/>
           </a:p>
@@ -33152,7 +33061,7 @@
               </a:lnSpc>
             </a:pPr>
             <a:r>
-              <a:rPr lang="en-US" sz="3600" b="1" strike="noStrike" spc="-1">
+              <a:rPr lang="en-US" altLang="ko-KR" sz="3600" b="1" spc="-1" dirty="0">
                 <a:solidFill>
                   <a:srgbClr val="000000"/>
                 </a:solidFill>
@@ -33161,12 +33070,11 @@
                     <a:srgbClr val="FFFFFF"/>
                   </a:solidFill>
                 </a:uFill>
-                <a:latin typeface="Arial"/>
                 <a:ea typeface="Arial"/>
               </a:rPr>
-              <a:t>Audio Classification</a:t>
-            </a:r>
-            <a:endParaRPr lang="en-US" sz="1800" b="0" strike="noStrike" spc="-1">
+              <a:t>Server status</a:t>
+            </a:r>
+            <a:endParaRPr lang="en-US" sz="1800" b="0" strike="noStrike" spc="-1" dirty="0">
               <a:solidFill>
                 <a:srgbClr val="000000"/>
               </a:solidFill>
@@ -33318,15 +33226,7 @@
           <a:p>
             <a:r>
               <a:rPr lang="en-US" altLang="ko-KR" dirty="0" smtClean="0"/>
-              <a:t>- </a:t>
-            </a:r>
-            <a:r>
-              <a:rPr lang="en-US" altLang="ko-KR" dirty="0" smtClean="0"/>
-              <a:t>5 </a:t>
-            </a:r>
-            <a:r>
-              <a:rPr lang="en-US" altLang="ko-KR" dirty="0" smtClean="0"/>
-              <a:t>-</a:t>
+              <a:t>- 5 -</a:t>
             </a:r>
             <a:endParaRPr lang="ko-KR" altLang="en-US" dirty="0"/>
           </a:p>
@@ -33597,7 +33497,7 @@
               </a:lnSpc>
             </a:pPr>
             <a:r>
-              <a:rPr lang="en-US" sz="3600" b="1" strike="noStrike" spc="-1">
+              <a:rPr lang="en-US" altLang="ko-KR" sz="3600" b="1" spc="-1" dirty="0">
                 <a:solidFill>
                   <a:srgbClr val="000000"/>
                 </a:solidFill>
@@ -33606,12 +33506,11 @@
                     <a:srgbClr val="FFFFFF"/>
                   </a:solidFill>
                 </a:uFill>
-                <a:latin typeface="Arial"/>
                 <a:ea typeface="Arial"/>
               </a:rPr>
-              <a:t>Audio Classification</a:t>
-            </a:r>
-            <a:endParaRPr lang="en-US" sz="1800" b="0" strike="noStrike" spc="-1">
+              <a:t>Server status</a:t>
+            </a:r>
+            <a:endParaRPr lang="en-US" sz="1800" b="0" strike="noStrike" spc="-1" dirty="0">
               <a:solidFill>
                 <a:srgbClr val="000000"/>
               </a:solidFill>
@@ -33677,13 +33576,8 @@
             </a:r>
             <a:r>
               <a:rPr lang="en-US" altLang="ko-KR" dirty="0" smtClean="0"/>
-              <a:t>new </a:t>
-            </a:r>
-            <a:r>
-              <a:rPr lang="en-US" altLang="ko-KR" dirty="0" smtClean="0"/>
-              <a:t>things.</a:t>
-            </a:r>
-            <a:endParaRPr lang="en-US" altLang="ko-KR" dirty="0" smtClean="0"/>
+              <a:t>new things.</a:t>
+            </a:r>
           </a:p>
           <a:p>
             <a:pPr marL="285840" indent="-284400">
@@ -33869,15 +33763,7 @@
           <a:p>
             <a:r>
               <a:rPr lang="en-US" altLang="ko-KR" dirty="0" smtClean="0"/>
-              <a:t>- </a:t>
-            </a:r>
-            <a:r>
-              <a:rPr lang="en-US" altLang="ko-KR" dirty="0" smtClean="0"/>
-              <a:t>6 </a:t>
-            </a:r>
-            <a:r>
-              <a:rPr lang="en-US" altLang="ko-KR" dirty="0" smtClean="0"/>
-              <a:t>-</a:t>
+              <a:t>- 6 -</a:t>
             </a:r>
             <a:endParaRPr lang="ko-KR" altLang="en-US" dirty="0"/>
           </a:p>
@@ -34831,7 +34717,7 @@
               </a:lnSpc>
             </a:pPr>
             <a:r>
-              <a:rPr lang="en-US" sz="3600" b="1" strike="noStrike" spc="-1">
+              <a:rPr lang="en-US" altLang="ko-KR" sz="3600" b="1" spc="-1" dirty="0">
                 <a:solidFill>
                   <a:srgbClr val="000000"/>
                 </a:solidFill>
@@ -34840,12 +34726,11 @@
                     <a:srgbClr val="FFFFFF"/>
                   </a:solidFill>
                 </a:uFill>
-                <a:latin typeface="Arial"/>
                 <a:ea typeface="Arial"/>
               </a:rPr>
-              <a:t>Audio Classification</a:t>
-            </a:r>
-            <a:endParaRPr lang="en-US" sz="1800" b="0" strike="noStrike" spc="-1">
+              <a:t>Server status</a:t>
+            </a:r>
+            <a:endParaRPr lang="en-US" sz="1800" b="0" strike="noStrike" spc="-1" dirty="0">
               <a:solidFill>
                 <a:srgbClr val="000000"/>
               </a:solidFill>
@@ -34967,15 +34852,7 @@
           <a:p>
             <a:r>
               <a:rPr lang="en-US" altLang="ko-KR" dirty="0" smtClean="0"/>
-              <a:t>- </a:t>
-            </a:r>
-            <a:r>
-              <a:rPr lang="en-US" altLang="ko-KR" dirty="0" smtClean="0"/>
-              <a:t>7 </a:t>
-            </a:r>
-            <a:r>
-              <a:rPr lang="en-US" altLang="ko-KR" dirty="0" smtClean="0"/>
-              <a:t>-</a:t>
+              <a:t>- 7 -</a:t>
             </a:r>
             <a:endParaRPr lang="ko-KR" altLang="en-US" dirty="0"/>
           </a:p>
@@ -35704,15 +35581,7 @@
           <a:p>
             <a:r>
               <a:rPr lang="en-US" altLang="ko-KR" dirty="0" smtClean="0"/>
-              <a:t>- </a:t>
-            </a:r>
-            <a:r>
-              <a:rPr lang="en-US" altLang="ko-KR" dirty="0" smtClean="0"/>
-              <a:t>8 </a:t>
-            </a:r>
-            <a:r>
-              <a:rPr lang="en-US" altLang="ko-KR" dirty="0" smtClean="0"/>
-              <a:t>-</a:t>
+              <a:t>- 8 -</a:t>
             </a:r>
             <a:endParaRPr lang="ko-KR" altLang="en-US" dirty="0"/>
           </a:p>
